--- a/Midterm Project/Presentation.pptx
+++ b/Midterm Project/Presentation.pptx
@@ -17467,7 +17467,7 @@
                   <a:latin typeface="Yu Gothic" panose="020B0400000000000000" pitchFamily="34" charset="-128"/>
                   <a:ea typeface="Yu Gothic" panose="020B0400000000000000" pitchFamily="34" charset="-128"/>
                 </a:rPr>
-                <a:t>Grid Layout and Responsive Web Design (RWD)</a:t>
+                <a:t>Grid layout and Responsive Web Design (RWD)</a:t>
               </a:r>
             </a:p>
           </p:txBody>
@@ -18531,7 +18531,7 @@
                   <a:latin typeface="Yu Gothic" panose="020B0400000000000000" pitchFamily="34" charset="-128"/>
                   <a:ea typeface="Yu Gothic" panose="020B0400000000000000" pitchFamily="34" charset="-128"/>
                 </a:rPr>
-                <a:t>Hover animations of Categories list items and Dropdown menu items</a:t>
+                <a:t>Hover animations of play button, categories list items and dropdown menu items</a:t>
               </a:r>
             </a:p>
           </p:txBody>
@@ -18693,7 +18693,14 @@
                   <a:latin typeface="Yu Gothic" panose="020B0400000000000000" pitchFamily="34" charset="-128"/>
                   <a:ea typeface="Yu Gothic" panose="020B0400000000000000" pitchFamily="34" charset="-128"/>
                 </a:rPr>
-                <a:t>Customize default navigation bar of Bootstrap</a:t>
+                <a:t>Customize default navigation bar of </a:t>
+              </a:r>
+              <a:r>
+                <a:rPr lang="en-US" i="1" dirty="0">
+                  <a:latin typeface="Yu Gothic" panose="020B0400000000000000" pitchFamily="34" charset="-128"/>
+                  <a:ea typeface="Yu Gothic" panose="020B0400000000000000" pitchFamily="34" charset="-128"/>
+                </a:rPr>
+                <a:t>Bootstrap</a:t>
               </a:r>
             </a:p>
           </p:txBody>

--- a/Midterm Project/Presentation.pptx
+++ b/Midterm Project/Presentation.pptx
@@ -5,7 +5,7 @@
     <p:sldMasterId id="2147483660" r:id="rId1"/>
   </p:sldMasterIdLst>
   <p:notesMasterIdLst>
-    <p:notesMasterId r:id="rId15"/>
+    <p:notesMasterId r:id="rId16"/>
   </p:notesMasterIdLst>
   <p:sldIdLst>
     <p:sldId id="256" r:id="rId2"/>
@@ -20,49 +20,50 @@
     <p:sldId id="295" r:id="rId11"/>
     <p:sldId id="288" r:id="rId12"/>
     <p:sldId id="268" r:id="rId13"/>
-    <p:sldId id="278" r:id="rId14"/>
+    <p:sldId id="296" r:id="rId14"/>
+    <p:sldId id="278" r:id="rId15"/>
   </p:sldIdLst>
   <p:sldSz cx="9144000" cy="5143500" type="screen16x9"/>
   <p:notesSz cx="6858000" cy="9144000"/>
   <p:embeddedFontLst>
     <p:embeddedFont>
       <p:font typeface="微软雅黑" panose="020B0503020204020204" pitchFamily="34" charset="-122"/>
-      <p:regular r:id="rId16"/>
-      <p:bold r:id="rId17"/>
+      <p:regular r:id="rId17"/>
+      <p:bold r:id="rId18"/>
     </p:embeddedFont>
     <p:embeddedFont>
       <p:font typeface="Bell MT" panose="02020503060305020303" pitchFamily="18" charset="0"/>
-      <p:regular r:id="rId18"/>
-      <p:bold r:id="rId19"/>
-      <p:italic r:id="rId20"/>
+      <p:regular r:id="rId19"/>
+      <p:bold r:id="rId20"/>
+      <p:italic r:id="rId21"/>
     </p:embeddedFont>
     <p:embeddedFont>
       <p:font typeface="Futura Hv BT" panose="020B0702020204020204" pitchFamily="34" charset="0"/>
-      <p:regular r:id="rId21"/>
-      <p:italic r:id="rId22"/>
+      <p:regular r:id="rId22"/>
+      <p:italic r:id="rId23"/>
     </p:embeddedFont>
     <p:embeddedFont>
       <p:font typeface="Poppins" panose="02020500000000000000" charset="0"/>
-      <p:regular r:id="rId23"/>
-      <p:bold r:id="rId24"/>
-      <p:italic r:id="rId25"/>
-      <p:boldItalic r:id="rId26"/>
+      <p:regular r:id="rId24"/>
+      <p:bold r:id="rId25"/>
+      <p:italic r:id="rId26"/>
+      <p:boldItalic r:id="rId27"/>
     </p:embeddedFont>
     <p:embeddedFont>
       <p:font typeface="Poppins Light" panose="02020500000000000000" charset="0"/>
-      <p:regular r:id="rId27"/>
-      <p:bold r:id="rId28"/>
-      <p:italic r:id="rId29"/>
-      <p:boldItalic r:id="rId30"/>
+      <p:regular r:id="rId28"/>
+      <p:bold r:id="rId29"/>
+      <p:italic r:id="rId30"/>
+      <p:boldItalic r:id="rId31"/>
     </p:embeddedFont>
     <p:embeddedFont>
       <p:font typeface="Yu Gothic" panose="020B0400000000000000" pitchFamily="34" charset="-128"/>
-      <p:regular r:id="rId31"/>
-      <p:bold r:id="rId32"/>
+      <p:regular r:id="rId32"/>
+      <p:bold r:id="rId33"/>
     </p:embeddedFont>
     <p:embeddedFont>
       <p:font typeface="Yu Gothic Light" panose="020B0300000000000000" pitchFamily="34" charset="-128"/>
-      <p:regular r:id="rId33"/>
+      <p:regular r:id="rId34"/>
     </p:embeddedFont>
   </p:embeddedFontLst>
   <p:defaultTextStyle>
@@ -846,6 +847,115 @@
 </file>
 
 <file path=ppt/notesSlides/notesSlide10.xml><?xml version="1.0" encoding="utf-8"?>
+<p:notes xmlns:a="http://schemas.openxmlformats.org/drawingml/2006/main" xmlns:r="http://schemas.openxmlformats.org/officeDocument/2006/relationships" xmlns:p="http://schemas.openxmlformats.org/presentationml/2006/main" showMasterSp="0" showMasterPhAnim="0">
+  <p:cSld>
+    <p:spTree>
+      <p:nvGrpSpPr>
+        <p:cNvPr id="1" name="Shape 286"/>
+        <p:cNvGrpSpPr/>
+        <p:nvPr/>
+      </p:nvGrpSpPr>
+      <p:grpSpPr>
+        <a:xfrm>
+          <a:off x="0" y="0"/>
+          <a:ext cx="0" cy="0"/>
+          <a:chOff x="0" y="0"/>
+          <a:chExt cx="0" cy="0"/>
+        </a:xfrm>
+      </p:grpSpPr>
+      <p:sp>
+        <p:nvSpPr>
+          <p:cNvPr id="287" name="Google Shape;287;g35f391192_085:notes"/>
+          <p:cNvSpPr>
+            <a:spLocks noGrp="1" noRot="1" noChangeAspect="1"/>
+          </p:cNvSpPr>
+          <p:nvPr>
+            <p:ph type="sldImg" idx="2"/>
+          </p:nvPr>
+        </p:nvSpPr>
+        <p:spPr>
+          <a:xfrm>
+            <a:off x="381000" y="685800"/>
+            <a:ext cx="6096000" cy="3429000"/>
+          </a:xfrm>
+          <a:custGeom>
+            <a:avLst/>
+            <a:gdLst/>
+            <a:ahLst/>
+            <a:cxnLst/>
+            <a:rect l="l" t="t" r="r" b="b"/>
+            <a:pathLst>
+              <a:path w="120000" h="120000" extrusionOk="0">
+                <a:moveTo>
+                  <a:pt x="0" y="0"/>
+                </a:moveTo>
+                <a:lnTo>
+                  <a:pt x="120000" y="0"/>
+                </a:lnTo>
+                <a:lnTo>
+                  <a:pt x="120000" y="120000"/>
+                </a:lnTo>
+                <a:lnTo>
+                  <a:pt x="0" y="120000"/>
+                </a:lnTo>
+                <a:close/>
+              </a:path>
+            </a:pathLst>
+          </a:custGeom>
+        </p:spPr>
+      </p:sp>
+      <p:sp>
+        <p:nvSpPr>
+          <p:cNvPr id="288" name="Google Shape;288;g35f391192_085:notes"/>
+          <p:cNvSpPr txBox="1">
+            <a:spLocks noGrp="1"/>
+          </p:cNvSpPr>
+          <p:nvPr>
+            <p:ph type="body" idx="1"/>
+          </p:nvPr>
+        </p:nvSpPr>
+        <p:spPr>
+          <a:xfrm>
+            <a:off x="685800" y="4343400"/>
+            <a:ext cx="5486400" cy="4114800"/>
+          </a:xfrm>
+          <a:prstGeom prst="rect">
+            <a:avLst/>
+          </a:prstGeom>
+        </p:spPr>
+        <p:txBody>
+          <a:bodyPr spcFirstLastPara="1" wrap="square" lIns="91425" tIns="91425" rIns="91425" bIns="91425" anchor="t" anchorCtr="0">
+            <a:noAutofit/>
+          </a:bodyPr>
+          <a:lstStyle/>
+          <a:p>
+            <a:pPr marL="0" lvl="0" indent="0" algn="l" rtl="0">
+              <a:spcBef>
+                <a:spcPts val="0"/>
+              </a:spcBef>
+              <a:spcAft>
+                <a:spcPts val="0"/>
+              </a:spcAft>
+              <a:buNone/>
+            </a:pPr>
+            <a:endParaRPr dirty="0"/>
+          </a:p>
+        </p:txBody>
+      </p:sp>
+    </p:spTree>
+    <p:extLst>
+      <p:ext uri="{BB962C8B-B14F-4D97-AF65-F5344CB8AC3E}">
+        <p14:creationId xmlns:p14="http://schemas.microsoft.com/office/powerpoint/2010/main" val="2332031976"/>
+      </p:ext>
+    </p:extLst>
+  </p:cSld>
+  <p:clrMapOvr>
+    <a:masterClrMapping/>
+  </p:clrMapOvr>
+</p:notes>
+</file>
+
+<file path=ppt/notesSlides/notesSlide11.xml><?xml version="1.0" encoding="utf-8"?>
 <p:notes xmlns:a="http://schemas.openxmlformats.org/drawingml/2006/main" xmlns:r="http://schemas.openxmlformats.org/officeDocument/2006/relationships" xmlns:p="http://schemas.openxmlformats.org/presentationml/2006/main" showMasterSp="0" showMasterPhAnim="0">
   <p:cSld>
     <p:spTree>
@@ -8093,18 +8203,9 @@
   <p:clrMapOvr>
     <a:masterClrMapping/>
   </p:clrMapOvr>
-  <mc:AlternateContent xmlns:mc="http://schemas.openxmlformats.org/markup-compatibility/2006" xmlns:p14="http://schemas.microsoft.com/office/powerpoint/2010/main">
-    <mc:Choice Requires="p14">
-      <p:transition spd="med" p14:dur="700">
-        <p:fade/>
-      </p:transition>
-    </mc:Choice>
-    <mc:Fallback xmlns="">
-      <p:transition spd="med">
-        <p:fade/>
-      </p:transition>
-    </mc:Fallback>
-  </mc:AlternateContent>
+  <p:transition spd="slow">
+    <p:push dir="u"/>
+  </p:transition>
   <p:timing>
     <p:tnLst>
       <p:par>
@@ -9550,6 +9651,18 @@
   <p:clrMapOvr>
     <a:masterClrMapping/>
   </p:clrMapOvr>
+  <mc:AlternateContent xmlns:mc="http://schemas.openxmlformats.org/markup-compatibility/2006">
+    <mc:Choice xmlns:p14="http://schemas.microsoft.com/office/powerpoint/2010/main" Requires="p14">
+      <p:transition spd="med" p14:dur="700">
+        <p:fade/>
+      </p:transition>
+    </mc:Choice>
+    <mc:Fallback>
+      <p:transition spd="med">
+        <p:fade/>
+      </p:transition>
+    </mc:Fallback>
+  </mc:AlternateContent>
   <p:timing>
     <p:tnLst>
       <p:par>
@@ -9682,6 +9795,146 @@
   <p:cSld>
     <p:spTree>
       <p:nvGrpSpPr>
+        <p:cNvPr id="1" name="Shape 289"/>
+        <p:cNvGrpSpPr/>
+        <p:nvPr/>
+      </p:nvGrpSpPr>
+      <p:grpSpPr>
+        <a:xfrm>
+          <a:off x="0" y="0"/>
+          <a:ext cx="0" cy="0"/>
+          <a:chOff x="0" y="0"/>
+          <a:chExt cx="0" cy="0"/>
+        </a:xfrm>
+      </p:grpSpPr>
+      <p:sp>
+        <p:nvSpPr>
+          <p:cNvPr id="290" name="Google Shape;290;p26"/>
+          <p:cNvSpPr txBox="1">
+            <a:spLocks noGrp="1"/>
+          </p:cNvSpPr>
+          <p:nvPr>
+            <p:ph type="title"/>
+          </p:nvPr>
+        </p:nvSpPr>
+        <p:spPr>
+          <a:xfrm>
+            <a:off x="594360" y="1158505"/>
+            <a:ext cx="5220300" cy="683100"/>
+          </a:xfrm>
+          <a:prstGeom prst="rect">
+            <a:avLst/>
+          </a:prstGeom>
+        </p:spPr>
+        <p:txBody>
+          <a:bodyPr spcFirstLastPara="1" wrap="square" lIns="91425" tIns="91425" rIns="91425" bIns="91425" anchor="b" anchorCtr="0">
+            <a:noAutofit/>
+          </a:bodyPr>
+          <a:lstStyle/>
+          <a:p>
+            <a:pPr lvl="0"/>
+            <a:r>
+              <a:rPr lang="zh-CN" altLang="en-US" dirty="0"/>
+              <a:t>組員分工：</a:t>
+            </a:r>
+            <a:r>
+              <a:rPr lang="en-US" altLang="zh-CN" dirty="0"/>
+              <a:t>GITFLOW</a:t>
+            </a:r>
+            <a:endParaRPr dirty="0"/>
+          </a:p>
+        </p:txBody>
+      </p:sp>
+      <p:sp>
+        <p:nvSpPr>
+          <p:cNvPr id="291" name="Google Shape;291;p26"/>
+          <p:cNvSpPr txBox="1">
+            <a:spLocks noGrp="1"/>
+          </p:cNvSpPr>
+          <p:nvPr>
+            <p:ph type="sldNum" idx="4294967295"/>
+          </p:nvPr>
+        </p:nvSpPr>
+        <p:spPr>
+          <a:xfrm>
+            <a:off x="8555875" y="4576450"/>
+            <a:ext cx="435600" cy="435600"/>
+          </a:xfrm>
+          <a:prstGeom prst="rect">
+            <a:avLst/>
+          </a:prstGeom>
+        </p:spPr>
+        <p:txBody>
+          <a:bodyPr spcFirstLastPara="1" wrap="square" lIns="91425" tIns="91425" rIns="91425" bIns="91425" anchor="ctr" anchorCtr="0">
+            <a:noAutofit/>
+          </a:bodyPr>
+          <a:lstStyle/>
+          <a:p>
+            <a:pPr marL="0" lvl="0" indent="0" algn="ctr" rtl="0">
+              <a:spcBef>
+                <a:spcPts val="0"/>
+              </a:spcBef>
+              <a:spcAft>
+                <a:spcPts val="0"/>
+              </a:spcAft>
+              <a:buNone/>
+            </a:pPr>
+            <a:fld id="{00000000-1234-1234-1234-123412341234}" type="slidenum">
+              <a:rPr lang="en"/>
+              <a:t>13</a:t>
+            </a:fld>
+            <a:endParaRPr dirty="0"/>
+          </a:p>
+        </p:txBody>
+      </p:sp>
+      <p:pic>
+        <p:nvPicPr>
+          <p:cNvPr id="5" name="Picture 4">
+            <a:extLst>
+              <a:ext uri="{FF2B5EF4-FFF2-40B4-BE49-F238E27FC236}">
+                <a16:creationId xmlns:a16="http://schemas.microsoft.com/office/drawing/2014/main" id="{0F144FFE-F7AE-452E-9644-640BECC792AB}"/>
+              </a:ext>
+            </a:extLst>
+          </p:cNvPr>
+          <p:cNvPicPr>
+            <a:picLocks noChangeAspect="1"/>
+          </p:cNvPicPr>
+          <p:nvPr/>
+        </p:nvPicPr>
+        <p:blipFill>
+          <a:blip r:embed="rId3"/>
+          <a:stretch>
+            <a:fillRect/>
+          </a:stretch>
+        </p:blipFill>
+        <p:spPr>
+          <a:xfrm>
+            <a:off x="1039091" y="1841605"/>
+            <a:ext cx="6594806" cy="2743200"/>
+          </a:xfrm>
+          <a:prstGeom prst="rect">
+            <a:avLst/>
+          </a:prstGeom>
+        </p:spPr>
+      </p:pic>
+    </p:spTree>
+    <p:extLst>
+      <p:ext uri="{BB962C8B-B14F-4D97-AF65-F5344CB8AC3E}">
+        <p14:creationId xmlns:p14="http://schemas.microsoft.com/office/powerpoint/2010/main" val="1784517194"/>
+      </p:ext>
+    </p:extLst>
+  </p:cSld>
+  <p:clrMapOvr>
+    <a:masterClrMapping/>
+  </p:clrMapOvr>
+</p:sld>
+</file>
+
+<file path=ppt/slides/slide14.xml><?xml version="1.0" encoding="utf-8"?>
+<p:sld xmlns:a="http://schemas.openxmlformats.org/drawingml/2006/main" xmlns:r="http://schemas.openxmlformats.org/officeDocument/2006/relationships" xmlns:p="http://schemas.openxmlformats.org/presentationml/2006/main">
+  <p:cSld>
+    <p:spTree>
+      <p:nvGrpSpPr>
         <p:cNvPr id="1" name="Shape 419"/>
         <p:cNvGrpSpPr/>
         <p:nvPr/>
@@ -9730,7 +9983,7 @@
             </a:pPr>
             <a:fld id="{00000000-1234-1234-1234-123412341234}" type="slidenum">
               <a:rPr lang="en"/>
-              <a:t>13</a:t>
+              <a:t>14</a:t>
             </a:fld>
             <a:endParaRPr dirty="0"/>
           </a:p>
@@ -10447,18 +10700,6 @@
   <p:clrMapOvr>
     <a:masterClrMapping/>
   </p:clrMapOvr>
-  <mc:AlternateContent xmlns:mc="http://schemas.openxmlformats.org/markup-compatibility/2006" xmlns:p14="http://schemas.microsoft.com/office/powerpoint/2010/main">
-    <mc:Choice Requires="p14">
-      <p:transition spd="med" p14:dur="700">
-        <p:fade/>
-      </p:transition>
-    </mc:Choice>
-    <mc:Fallback xmlns="">
-      <p:transition spd="med">
-        <p:fade/>
-      </p:transition>
-    </mc:Fallback>
-  </mc:AlternateContent>
   <p:timing>
     <p:tnLst>
       <p:par>
@@ -11227,13 +11468,13 @@
   <p:clrMapOvr>
     <a:masterClrMapping/>
   </p:clrMapOvr>
-  <mc:AlternateContent xmlns:mc="http://schemas.openxmlformats.org/markup-compatibility/2006" xmlns:p14="http://schemas.microsoft.com/office/powerpoint/2010/main">
-    <mc:Choice Requires="p14">
+  <mc:AlternateContent xmlns:mc="http://schemas.openxmlformats.org/markup-compatibility/2006">
+    <mc:Choice xmlns:p14="http://schemas.microsoft.com/office/powerpoint/2010/main" Requires="p14">
       <p:transition spd="med" p14:dur="700">
         <p:fade/>
       </p:transition>
     </mc:Choice>
-    <mc:Fallback xmlns="">
+    <mc:Fallback>
       <p:transition spd="med">
         <p:fade/>
       </p:transition>
@@ -11748,18 +11989,9 @@
   <p:clrMapOvr>
     <a:masterClrMapping/>
   </p:clrMapOvr>
-  <mc:AlternateContent xmlns:mc="http://schemas.openxmlformats.org/markup-compatibility/2006" xmlns:p14="http://schemas.microsoft.com/office/powerpoint/2010/main">
-    <mc:Choice Requires="p14">
-      <p:transition spd="med" p14:dur="700">
-        <p:fade/>
-      </p:transition>
-    </mc:Choice>
-    <mc:Fallback xmlns="">
-      <p:transition spd="med">
-        <p:fade/>
-      </p:transition>
-    </mc:Fallback>
-  </mc:AlternateContent>
+  <p:transition spd="slow">
+    <p:push dir="u"/>
+  </p:transition>
   <p:timing>
     <p:tnLst>
       <p:par>
@@ -12533,13 +12765,13 @@
   <p:clrMapOvr>
     <a:masterClrMapping/>
   </p:clrMapOvr>
-  <mc:AlternateContent xmlns:mc="http://schemas.openxmlformats.org/markup-compatibility/2006" xmlns:p14="http://schemas.microsoft.com/office/powerpoint/2010/main">
-    <mc:Choice Requires="p14">
+  <mc:AlternateContent xmlns:mc="http://schemas.openxmlformats.org/markup-compatibility/2006">
+    <mc:Choice xmlns:p14="http://schemas.microsoft.com/office/powerpoint/2010/main" Requires="p14">
       <p:transition spd="med" p14:dur="700">
         <p:fade/>
       </p:transition>
     </mc:Choice>
-    <mc:Fallback xmlns="">
+    <mc:Fallback>
       <p:transition spd="med">
         <p:fade/>
       </p:transition>
@@ -14324,6 +14556,18 @@
   <p:clrMapOvr>
     <a:masterClrMapping/>
   </p:clrMapOvr>
+  <mc:AlternateContent xmlns:mc="http://schemas.openxmlformats.org/markup-compatibility/2006">
+    <mc:Choice xmlns:p14="http://schemas.microsoft.com/office/powerpoint/2010/main" Requires="p14">
+      <p:transition spd="med" p14:dur="700">
+        <p:fade/>
+      </p:transition>
+    </mc:Choice>
+    <mc:Fallback>
+      <p:transition spd="med">
+        <p:fade/>
+      </p:transition>
+    </mc:Fallback>
+  </mc:AlternateContent>
   <p:timing>
     <p:tnLst>
       <p:par>
@@ -14886,18 +15130,9 @@
   <p:clrMapOvr>
     <a:masterClrMapping/>
   </p:clrMapOvr>
-  <mc:AlternateContent xmlns:mc="http://schemas.openxmlformats.org/markup-compatibility/2006" xmlns:p14="http://schemas.microsoft.com/office/powerpoint/2010/main">
-    <mc:Choice Requires="p14">
-      <p:transition spd="med" p14:dur="700">
-        <p:fade/>
-      </p:transition>
-    </mc:Choice>
-    <mc:Fallback xmlns="">
-      <p:transition spd="med">
-        <p:fade/>
-      </p:transition>
-    </mc:Fallback>
-  </mc:AlternateContent>
+  <p:transition spd="slow">
+    <p:push dir="u"/>
+  </p:transition>
   <p:timing>
     <p:tnLst>
       <p:par>
@@ -17964,9 +18199,6 @@
   <p:clrMapOvr>
     <a:masterClrMapping/>
   </p:clrMapOvr>
-  <p:transition spd="med">
-    <p:pull/>
-  </p:transition>
   <p:timing>
     <p:tnLst>
       <p:par>
